--- a/Sysadmin/Basic Networking.pptx
+++ b/Sysadmin/Basic Networking.pptx
@@ -5867,6 +5867,26 @@
           </a:bodyPr>
           <a:lstStyle/>
           <a:p>
+            <a:pPr algn="ctr" rtl="0" lvl="0">
+              <a:lnSpc>
+                <a:spcPct val="100000"/>
+              </a:lnSpc>
+              <a:buNone/>
+            </a:pPr>
+            <a:r>
+              <a:rPr sz="3200" lang="en-US">
+                <a:solidFill>
+                  <a:srgbClr val="999999"/>
+                </a:solidFill>
+                <a:latin typeface="Arial"/>
+                <a:ea typeface="Arial"/>
+                <a:cs typeface="Arial"/>
+                <a:sym typeface="Arial"/>
+              </a:rPr>
+              <a:t>Concepts and Techniques</a:t>
+            </a:r>
+          </a:p>
+          <a:p>
             <a:pPr algn="ctr" rtl="0">
               <a:lnSpc>
                 <a:spcPct val="100000"/>
@@ -5874,16 +5894,8 @@
               <a:buNone/>
             </a:pPr>
             <a:r>
-              <a:rPr sz="3200" lang="en-US">
-                <a:solidFill>
-                  <a:srgbClr val="999999"/>
-                </a:solidFill>
-                <a:latin typeface="Arial"/>
-                <a:ea typeface="Arial"/>
-                <a:cs typeface="Arial"/>
-                <a:sym typeface="Arial"/>
-              </a:rPr>
-              <a:t>Concepts and Techniques</a:t>
+              <a:rPr lang="en-US"/>
+              <a:t>by William Orr</a:t>
             </a:r>
           </a:p>
         </p:txBody>
